--- a/database/slides/HOLY_(RESPONSORIAL).pptx
+++ b/database/slides/HOLY_(RESPONSORIAL).pptx
@@ -15497,9 +15497,6 @@
           <a:lstStyle/>
           <a:p>
             <a:pPr marL="114300" lvl="0" indent="0" algn="l" rtl="0">
-              <a:lnSpc>
-                <a:spcPct val="150000"/>
-              </a:lnSpc>
               <a:spcBef>
                 <a:spcPts val="0"/>
               </a:spcBef>
@@ -15523,9 +15520,6 @@
           </a:p>
           <a:p>
             <a:pPr marL="114300" lvl="0" indent="0" algn="l" rtl="0">
-              <a:lnSpc>
-                <a:spcPct val="150000"/>
-              </a:lnSpc>
               <a:spcBef>
                 <a:spcPts val="0"/>
               </a:spcBef>
@@ -15549,9 +15543,6 @@
           </a:p>
           <a:p>
             <a:pPr marL="114300" lvl="0" indent="0" algn="l" rtl="0">
-              <a:lnSpc>
-                <a:spcPct val="150000"/>
-              </a:lnSpc>
               <a:spcBef>
                 <a:spcPts val="0"/>
               </a:spcBef>
@@ -15575,9 +15566,26 @@
           </a:p>
           <a:p>
             <a:pPr marL="114300" lvl="0" indent="0" algn="l" rtl="0">
-              <a:lnSpc>
-                <a:spcPct val="150000"/>
-              </a:lnSpc>
+              <a:spcBef>
+                <a:spcPts val="0"/>
+              </a:spcBef>
+              <a:spcAft>
+                <a:spcPts val="0"/>
+              </a:spcAft>
+              <a:buClr>
+                <a:srgbClr val="00FF00"/>
+              </a:buClr>
+              <a:buSzPts val="2000"/>
+              <a:buNone/>
+            </a:pPr>
+            <a:endParaRPr lang="en-US" sz="4000" b="1" dirty="0">
+              <a:solidFill>
+                <a:schemeClr val="lt1"/>
+              </a:solidFill>
+            </a:endParaRPr>
+          </a:p>
+          <a:p>
+            <a:pPr marL="114300" lvl="0" indent="0" algn="l" rtl="0">
               <a:spcBef>
                 <a:spcPts val="0"/>
               </a:spcBef>
@@ -15596,14 +15604,11 @@
                   <a:schemeClr val="lt1"/>
                 </a:solidFill>
               </a:rPr>
-              <a:t>Blest is He who comes in the </a:t>
+              <a:t>Blest is He who comes </a:t>
             </a:r>
           </a:p>
           <a:p>
             <a:pPr marL="114300" lvl="0" indent="0" algn="l" rtl="0">
-              <a:lnSpc>
-                <a:spcPct val="150000"/>
-              </a:lnSpc>
               <a:spcBef>
                 <a:spcPts val="0"/>
               </a:spcBef>
@@ -15622,14 +15627,11 @@
                   <a:schemeClr val="lt1"/>
                 </a:solidFill>
               </a:rPr>
-              <a:t>name of the Lord (2)</a:t>
+              <a:t>in the name of the Lord [2]</a:t>
             </a:r>
           </a:p>
           <a:p>
             <a:pPr marL="114300" indent="0">
-              <a:lnSpc>
-                <a:spcPct val="150000"/>
-              </a:lnSpc>
               <a:spcBef>
                 <a:spcPts val="0"/>
               </a:spcBef>
